--- a/report/presentation_JE.pptx
+++ b/report/presentation_JE.pptx
@@ -9,6 +9,7 @@
     <p:sldId id="257" r:id="rId3"/>
     <p:sldId id="258" r:id="rId4"/>
     <p:sldId id="260" r:id="rId5"/>
+    <p:sldId id="261" r:id="rId6"/>
   </p:sldIdLst>
   <p:sldSz cx="12192000" cy="6858000"/>
   <p:notesSz cx="6858000" cy="9144000"/>
@@ -246,7 +247,7 @@
           <a:p>
             <a:fld id="{1B14BB75-60EF-45B0-A041-9555231834D5}" type="datetimeFigureOut">
               <a:rPr lang="de-DE" smtClean="0"/>
-              <a:t>29.06.2023</a:t>
+              <a:t>11.07.2023</a:t>
             </a:fld>
             <a:endParaRPr lang="de-DE"/>
           </a:p>
@@ -416,7 +417,7 @@
           <a:p>
             <a:fld id="{1B14BB75-60EF-45B0-A041-9555231834D5}" type="datetimeFigureOut">
               <a:rPr lang="de-DE" smtClean="0"/>
-              <a:t>29.06.2023</a:t>
+              <a:t>11.07.2023</a:t>
             </a:fld>
             <a:endParaRPr lang="de-DE"/>
           </a:p>
@@ -596,7 +597,7 @@
           <a:p>
             <a:fld id="{1B14BB75-60EF-45B0-A041-9555231834D5}" type="datetimeFigureOut">
               <a:rPr lang="de-DE" smtClean="0"/>
-              <a:t>29.06.2023</a:t>
+              <a:t>11.07.2023</a:t>
             </a:fld>
             <a:endParaRPr lang="de-DE"/>
           </a:p>
@@ -766,7 +767,7 @@
           <a:p>
             <a:fld id="{1B14BB75-60EF-45B0-A041-9555231834D5}" type="datetimeFigureOut">
               <a:rPr lang="de-DE" smtClean="0"/>
-              <a:t>29.06.2023</a:t>
+              <a:t>11.07.2023</a:t>
             </a:fld>
             <a:endParaRPr lang="de-DE"/>
           </a:p>
@@ -1012,7 +1013,7 @@
           <a:p>
             <a:fld id="{1B14BB75-60EF-45B0-A041-9555231834D5}" type="datetimeFigureOut">
               <a:rPr lang="de-DE" smtClean="0"/>
-              <a:t>29.06.2023</a:t>
+              <a:t>11.07.2023</a:t>
             </a:fld>
             <a:endParaRPr lang="de-DE"/>
           </a:p>
@@ -1244,7 +1245,7 @@
           <a:p>
             <a:fld id="{1B14BB75-60EF-45B0-A041-9555231834D5}" type="datetimeFigureOut">
               <a:rPr lang="de-DE" smtClean="0"/>
-              <a:t>29.06.2023</a:t>
+              <a:t>11.07.2023</a:t>
             </a:fld>
             <a:endParaRPr lang="de-DE"/>
           </a:p>
@@ -1611,7 +1612,7 @@
           <a:p>
             <a:fld id="{1B14BB75-60EF-45B0-A041-9555231834D5}" type="datetimeFigureOut">
               <a:rPr lang="de-DE" smtClean="0"/>
-              <a:t>29.06.2023</a:t>
+              <a:t>11.07.2023</a:t>
             </a:fld>
             <a:endParaRPr lang="de-DE"/>
           </a:p>
@@ -1729,7 +1730,7 @@
           <a:p>
             <a:fld id="{1B14BB75-60EF-45B0-A041-9555231834D5}" type="datetimeFigureOut">
               <a:rPr lang="de-DE" smtClean="0"/>
-              <a:t>29.06.2023</a:t>
+              <a:t>11.07.2023</a:t>
             </a:fld>
             <a:endParaRPr lang="de-DE"/>
           </a:p>
@@ -1824,7 +1825,7 @@
           <a:p>
             <a:fld id="{1B14BB75-60EF-45B0-A041-9555231834D5}" type="datetimeFigureOut">
               <a:rPr lang="de-DE" smtClean="0"/>
-              <a:t>29.06.2023</a:t>
+              <a:t>11.07.2023</a:t>
             </a:fld>
             <a:endParaRPr lang="de-DE"/>
           </a:p>
@@ -2101,7 +2102,7 @@
           <a:p>
             <a:fld id="{1B14BB75-60EF-45B0-A041-9555231834D5}" type="datetimeFigureOut">
               <a:rPr lang="de-DE" smtClean="0"/>
-              <a:t>29.06.2023</a:t>
+              <a:t>11.07.2023</a:t>
             </a:fld>
             <a:endParaRPr lang="de-DE"/>
           </a:p>
@@ -2354,7 +2355,7 @@
           <a:p>
             <a:fld id="{1B14BB75-60EF-45B0-A041-9555231834D5}" type="datetimeFigureOut">
               <a:rPr lang="de-DE" smtClean="0"/>
-              <a:t>29.06.2023</a:t>
+              <a:t>11.07.2023</a:t>
             </a:fld>
             <a:endParaRPr lang="de-DE"/>
           </a:p>
@@ -2567,7 +2568,7 @@
           <a:p>
             <a:fld id="{1B14BB75-60EF-45B0-A041-9555231834D5}" type="datetimeFigureOut">
               <a:rPr lang="de-DE" smtClean="0"/>
-              <a:t>29.06.2023</a:t>
+              <a:t>11.07.2023</a:t>
             </a:fld>
             <a:endParaRPr lang="de-DE"/>
           </a:p>
@@ -3108,7 +3109,7 @@
         <p:spPr>
           <a:xfrm>
             <a:off x="0" y="1100667"/>
-            <a:ext cx="12192000" cy="5757333"/>
+            <a:ext cx="12191999" cy="5757333"/>
           </a:xfrm>
           <a:prstGeom prst="rect">
             <a:avLst/>
@@ -3159,6 +3160,13 @@
   <p:clrMapOvr>
     <a:masterClrMapping/>
   </p:clrMapOvr>
+  <p:timing>
+    <p:tnLst>
+      <p:par>
+        <p:cTn id="1" dur="indefinite" restart="never" nodeType="tmRoot"/>
+      </p:par>
+    </p:tnLst>
+  </p:timing>
 </p:sld>
 </file>
 
@@ -3858,6 +3866,13 @@
   <p:clrMapOvr>
     <a:masterClrMapping/>
   </p:clrMapOvr>
+  <p:timing>
+    <p:tnLst>
+      <p:par>
+        <p:cTn id="1" dur="indefinite" restart="never" nodeType="tmRoot"/>
+      </p:par>
+    </p:tnLst>
+  </p:timing>
 </p:sld>
 </file>
 
@@ -4484,7 +4499,6 @@
               <a:rPr lang="en-GB" sz="2000" dirty="0" smtClean="0"/>
               <a:t>Change password</a:t>
             </a:r>
-            <a:endParaRPr lang="en-GB" sz="2000" dirty="0" smtClean="0"/>
           </a:p>
         </p:txBody>
       </p:sp>
@@ -4678,7 +4692,6 @@
               <a:rPr lang="en-GB" sz="2000" dirty="0" smtClean="0"/>
               <a:t>Delete a user</a:t>
             </a:r>
-            <a:endParaRPr lang="en-GB" sz="2000" dirty="0" smtClean="0"/>
           </a:p>
         </p:txBody>
       </p:sp>
@@ -4692,6 +4705,117 @@
   <p:clrMapOvr>
     <a:masterClrMapping/>
   </p:clrMapOvr>
+  <p:timing>
+    <p:tnLst>
+      <p:par>
+        <p:cTn id="1" dur="indefinite" restart="never" nodeType="tmRoot"/>
+      </p:par>
+    </p:tnLst>
+  </p:timing>
+</p:sld>
+</file>
+
+<file path=ppt/slides/slide5.xml><?xml version="1.0" encoding="utf-8"?>
+<p:sld xmlns:a="http://schemas.openxmlformats.org/drawingml/2006/main" xmlns:r="http://schemas.openxmlformats.org/officeDocument/2006/relationships" xmlns:p="http://schemas.openxmlformats.org/presentationml/2006/main">
+  <p:cSld>
+    <p:spTree>
+      <p:nvGrpSpPr>
+        <p:cNvPr id="1" name=""/>
+        <p:cNvGrpSpPr/>
+        <p:nvPr/>
+      </p:nvGrpSpPr>
+      <p:grpSpPr>
+        <a:xfrm>
+          <a:off x="0" y="0"/>
+          <a:ext cx="0" cy="0"/>
+          <a:chOff x="0" y="0"/>
+          <a:chExt cx="0" cy="0"/>
+        </a:xfrm>
+      </p:grpSpPr>
+      <p:sp>
+        <p:nvSpPr>
+          <p:cNvPr id="7" name="Textfeld 6"/>
+          <p:cNvSpPr txBox="1"/>
+          <p:nvPr/>
+        </p:nvSpPr>
+        <p:spPr>
+          <a:xfrm>
+            <a:off x="0" y="23449"/>
+            <a:ext cx="12192000" cy="892552"/>
+          </a:xfrm>
+          <a:prstGeom prst="rect">
+            <a:avLst/>
+          </a:prstGeom>
+          <a:noFill/>
+        </p:spPr>
+        <p:txBody>
+          <a:bodyPr wrap="square" rtlCol="0">
+            <a:spAutoFit/>
+          </a:bodyPr>
+          <a:lstStyle/>
+          <a:p>
+            <a:endParaRPr lang="en-GB" sz="2000" dirty="0" smtClean="0"/>
+          </a:p>
+          <a:p>
+            <a:pPr algn="ctr"/>
+            <a:r>
+              <a:rPr lang="en-GB" sz="3200" dirty="0" smtClean="0"/>
+              <a:t>Live Demonstration</a:t>
+            </a:r>
+            <a:endParaRPr lang="en-GB" sz="3200" dirty="0"/>
+          </a:p>
+        </p:txBody>
+      </p:sp>
+      <p:sp>
+        <p:nvSpPr>
+          <p:cNvPr id="8" name="Inhaltsplatzhalter 7"/>
+          <p:cNvSpPr>
+            <a:spLocks noGrp="1"/>
+          </p:cNvSpPr>
+          <p:nvPr>
+            <p:ph sz="quarter" idx="4"/>
+          </p:nvPr>
+        </p:nvSpPr>
+        <p:spPr>
+          <a:xfrm>
+            <a:off x="1978940" y="3058991"/>
+            <a:ext cx="8234119" cy="827210"/>
+          </a:xfrm>
+        </p:spPr>
+        <p:txBody>
+          <a:bodyPr/>
+          <a:lstStyle/>
+          <a:p>
+            <a:pPr marL="0" indent="0" algn="ctr">
+              <a:buNone/>
+            </a:pPr>
+            <a:r>
+              <a:rPr lang="de-DE" dirty="0">
+                <a:hlinkClick r:id="rId2"/>
+              </a:rPr>
+              <a:t>https://dev.d6inls0l63kzs.amplifyapp.com/</a:t>
+            </a:r>
+            <a:endParaRPr lang="de-DE" dirty="0"/>
+          </a:p>
+        </p:txBody>
+      </p:sp>
+    </p:spTree>
+    <p:extLst>
+      <p:ext uri="{BB962C8B-B14F-4D97-AF65-F5344CB8AC3E}">
+        <p14:creationId xmlns:p14="http://schemas.microsoft.com/office/powerpoint/2010/main" val="653048434"/>
+      </p:ext>
+    </p:extLst>
+  </p:cSld>
+  <p:clrMapOvr>
+    <a:masterClrMapping/>
+  </p:clrMapOvr>
+  <p:timing>
+    <p:tnLst>
+      <p:par>
+        <p:cTn id="1" dur="indefinite" restart="never" nodeType="tmRoot"/>
+      </p:par>
+    </p:tnLst>
+  </p:timing>
 </p:sld>
 </file>
 
